--- a/과제/12차_다변량분석_과제_20171483_한태규.pptx
+++ b/과제/12차_다변량분석_과제_20171483_한태규.pptx
@@ -30,6 +30,7 @@
     <p:sldId id="284" r:id="rId24"/>
     <p:sldId id="285" r:id="rId25"/>
     <p:sldId id="286" r:id="rId26"/>
+    <p:sldId id="287" r:id="rId27"/>
   </p:sldIdLst>
   <p:sldSz cx="12192000" cy="6858000"/>
   <p:notesSz cx="6858000" cy="9144000"/>
@@ -9166,6 +9167,246 @@
 </p:sld>
 </file>
 
+<file path=ppt/slides/slide26.xml><?xml version="1.0" encoding="utf-8"?>
+<p:sld xmlns:a="http://schemas.openxmlformats.org/drawingml/2006/main" xmlns:r="http://schemas.openxmlformats.org/officeDocument/2006/relationships" xmlns:p="http://schemas.openxmlformats.org/presentationml/2006/main">
+  <p:cSld>
+    <p:spTree>
+      <p:nvGrpSpPr>
+        <p:cNvPr id="1" name=""/>
+        <p:cNvGrpSpPr/>
+        <p:nvPr/>
+      </p:nvGrpSpPr>
+      <p:grpSpPr>
+        <a:xfrm>
+          <a:off x="0" y="0"/>
+          <a:ext cx="0" cy="0"/>
+          <a:chOff x="0" y="0"/>
+          <a:chExt cx="0" cy="0"/>
+        </a:xfrm>
+      </p:grpSpPr>
+      <p:sp>
+        <p:nvSpPr>
+          <p:cNvPr id="5" name="직사각형 4">
+            <a:extLst>
+              <a:ext uri="{FF2B5EF4-FFF2-40B4-BE49-F238E27FC236}">
+                <a16:creationId xmlns:a16="http://schemas.microsoft.com/office/drawing/2014/main" id="{5DED6E05-DD33-7D48-F98A-F28B7DB7797F}"/>
+              </a:ext>
+            </a:extLst>
+          </p:cNvPr>
+          <p:cNvSpPr/>
+          <p:nvPr/>
+        </p:nvSpPr>
+        <p:spPr>
+          <a:xfrm>
+            <a:off x="383191" y="0"/>
+            <a:ext cx="1080000" cy="72000"/>
+          </a:xfrm>
+          <a:prstGeom prst="rect">
+            <a:avLst/>
+          </a:prstGeom>
+          <a:solidFill>
+            <a:srgbClr val="8EBB1C"/>
+          </a:solidFill>
+          <a:ln>
+            <a:noFill/>
+          </a:ln>
+        </p:spPr>
+        <p:style>
+          <a:lnRef idx="2">
+            <a:schemeClr val="accent1">
+              <a:shade val="50000"/>
+            </a:schemeClr>
+          </a:lnRef>
+          <a:fillRef idx="1">
+            <a:schemeClr val="accent1"/>
+          </a:fillRef>
+          <a:effectRef idx="0">
+            <a:schemeClr val="accent1"/>
+          </a:effectRef>
+          <a:fontRef idx="minor">
+            <a:schemeClr val="lt1"/>
+          </a:fontRef>
+        </p:style>
+        <p:txBody>
+          <a:bodyPr rtlCol="0" anchor="ctr"/>
+          <a:lstStyle/>
+          <a:p>
+            <a:pPr algn="ctr"/>
+            <a:endParaRPr lang="ko-KR" altLang="en-US"/>
+          </a:p>
+        </p:txBody>
+      </p:sp>
+      <p:sp>
+        <p:nvSpPr>
+          <p:cNvPr id="6" name="직사각형 5">
+            <a:extLst>
+              <a:ext uri="{FF2B5EF4-FFF2-40B4-BE49-F238E27FC236}">
+                <a16:creationId xmlns:a16="http://schemas.microsoft.com/office/drawing/2014/main" id="{12332D85-1E96-5631-68FC-15979DAE18D2}"/>
+              </a:ext>
+            </a:extLst>
+          </p:cNvPr>
+          <p:cNvSpPr/>
+          <p:nvPr/>
+        </p:nvSpPr>
+        <p:spPr>
+          <a:xfrm>
+            <a:off x="1463191" y="0"/>
+            <a:ext cx="1080000" cy="72000"/>
+          </a:xfrm>
+          <a:prstGeom prst="rect">
+            <a:avLst/>
+          </a:prstGeom>
+          <a:solidFill>
+            <a:srgbClr val="01637E"/>
+          </a:solidFill>
+          <a:ln>
+            <a:noFill/>
+          </a:ln>
+        </p:spPr>
+        <p:style>
+          <a:lnRef idx="2">
+            <a:schemeClr val="accent1">
+              <a:shade val="50000"/>
+            </a:schemeClr>
+          </a:lnRef>
+          <a:fillRef idx="1">
+            <a:schemeClr val="accent1"/>
+          </a:fillRef>
+          <a:effectRef idx="0">
+            <a:schemeClr val="accent1"/>
+          </a:effectRef>
+          <a:fontRef idx="minor">
+            <a:schemeClr val="lt1"/>
+          </a:fontRef>
+        </p:style>
+        <p:txBody>
+          <a:bodyPr rtlCol="0" anchor="ctr"/>
+          <a:lstStyle/>
+          <a:p>
+            <a:pPr algn="ctr"/>
+            <a:endParaRPr lang="ko-KR" altLang="en-US"/>
+          </a:p>
+        </p:txBody>
+      </p:sp>
+      <p:sp>
+        <p:nvSpPr>
+          <p:cNvPr id="7" name="직사각형 6">
+            <a:extLst>
+              <a:ext uri="{FF2B5EF4-FFF2-40B4-BE49-F238E27FC236}">
+                <a16:creationId xmlns:a16="http://schemas.microsoft.com/office/drawing/2014/main" id="{3E643E22-2EB9-423A-FBB1-6DC417721860}"/>
+              </a:ext>
+            </a:extLst>
+          </p:cNvPr>
+          <p:cNvSpPr/>
+          <p:nvPr/>
+        </p:nvSpPr>
+        <p:spPr>
+          <a:xfrm>
+            <a:off x="2543191" y="0"/>
+            <a:ext cx="1080000" cy="72000"/>
+          </a:xfrm>
+          <a:prstGeom prst="rect">
+            <a:avLst/>
+          </a:prstGeom>
+          <a:solidFill>
+            <a:srgbClr val="35B2E0"/>
+          </a:solidFill>
+          <a:ln>
+            <a:noFill/>
+          </a:ln>
+        </p:spPr>
+        <p:style>
+          <a:lnRef idx="2">
+            <a:schemeClr val="accent1">
+              <a:shade val="50000"/>
+            </a:schemeClr>
+          </a:lnRef>
+          <a:fillRef idx="1">
+            <a:schemeClr val="accent1"/>
+          </a:fillRef>
+          <a:effectRef idx="0">
+            <a:schemeClr val="accent1"/>
+          </a:effectRef>
+          <a:fontRef idx="minor">
+            <a:schemeClr val="lt1"/>
+          </a:fontRef>
+        </p:style>
+        <p:txBody>
+          <a:bodyPr rtlCol="0" anchor="ctr"/>
+          <a:lstStyle/>
+          <a:p>
+            <a:pPr algn="ctr"/>
+            <a:endParaRPr lang="ko-KR" altLang="en-US"/>
+          </a:p>
+        </p:txBody>
+      </p:sp>
+      <p:sp>
+        <p:nvSpPr>
+          <p:cNvPr id="3" name="TextBox 2">
+            <a:extLst>
+              <a:ext uri="{FF2B5EF4-FFF2-40B4-BE49-F238E27FC236}">
+                <a16:creationId xmlns:a16="http://schemas.microsoft.com/office/drawing/2014/main" id="{AE47FB34-3296-019B-7865-35BE32F3B074}"/>
+              </a:ext>
+            </a:extLst>
+          </p:cNvPr>
+          <p:cNvSpPr txBox="1"/>
+          <p:nvPr/>
+        </p:nvSpPr>
+        <p:spPr>
+          <a:xfrm>
+            <a:off x="2648317" y="2782669"/>
+            <a:ext cx="6895367" cy="646331"/>
+          </a:xfrm>
+          <a:prstGeom prst="rect">
+            <a:avLst/>
+          </a:prstGeom>
+          <a:noFill/>
+        </p:spPr>
+        <p:txBody>
+          <a:bodyPr wrap="square">
+            <a:spAutoFit/>
+          </a:bodyPr>
+          <a:lstStyle/>
+          <a:p>
+            <a:r>
+              <a:rPr lang="en-US" altLang="ko-KR"/>
+              <a:t>Code : </a:t>
+            </a:r>
+            <a:r>
+              <a:rPr lang="en-US" altLang="ko-KR">
+                <a:hlinkClick r:id="rId2"/>
+              </a:rPr>
+              <a:t>SCH_Multivariate_Analysis/2022_10_04_11</a:t>
+            </a:r>
+            <a:r>
+              <a:rPr lang="ko-KR" altLang="en-US">
+                <a:hlinkClick r:id="rId2"/>
+              </a:rPr>
+              <a:t>차</a:t>
+            </a:r>
+            <a:r>
+              <a:rPr lang="en-US" altLang="ko-KR">
+                <a:hlinkClick r:id="rId2"/>
+              </a:rPr>
+              <a:t>.R at main · TaegyuHan/SCH_Multivariate_Analysis (github.com)</a:t>
+            </a:r>
+            <a:endParaRPr lang="ko-KR" altLang="en-US"/>
+          </a:p>
+        </p:txBody>
+      </p:sp>
+    </p:spTree>
+    <p:extLst>
+      <p:ext uri="{BB962C8B-B14F-4D97-AF65-F5344CB8AC3E}">
+        <p14:creationId xmlns:p14="http://schemas.microsoft.com/office/powerpoint/2010/main" val="3104260101"/>
+      </p:ext>
+    </p:extLst>
+  </p:cSld>
+  <p:clrMapOvr>
+    <a:masterClrMapping/>
+  </p:clrMapOvr>
+</p:sld>
+</file>
+
 <file path=ppt/slides/slide3.xml><?xml version="1.0" encoding="utf-8"?>
 <p:sld xmlns:a="http://schemas.openxmlformats.org/drawingml/2006/main" xmlns:r="http://schemas.openxmlformats.org/officeDocument/2006/relationships" xmlns:p="http://schemas.openxmlformats.org/presentationml/2006/main">
   <p:cSld>
